--- a/setup/Real_Time_CCS_Monitoring_Pipeline.pptx
+++ b/setup/Real_Time_CCS_Monitoring_Pipeline.pptx
@@ -4313,7 +4313,7 @@
         <p:spPr>
           <a:xfrm>
             <a:off x="4676074" y="3744779"/>
-            <a:ext cx="3239588" cy="1338828"/>
+            <a:ext cx="3239588" cy="1461939"/>
           </a:xfrm>
           <a:prstGeom prst="rect">
             <a:avLst/>
@@ -4327,7 +4327,7 @@
           <a:lstStyle/>
           <a:p>
             <a:r>
-              <a:rPr lang="en-TT" sz="900" dirty="0">
+              <a:rPr lang="en-TT" sz="1000" dirty="0">
                 <a:solidFill>
                   <a:srgbClr val="1A3260"/>
                 </a:solidFill>
@@ -4336,7 +4336,7 @@
             </a:r>
           </a:p>
           <a:p>
-            <a:endParaRPr lang="en-TT" sz="900" b="1" dirty="0">
+            <a:endParaRPr lang="en-TT" sz="1000" b="1" dirty="0">
               <a:solidFill>
                 <a:schemeClr val="accent1"/>
               </a:solidFill>
@@ -4344,37 +4344,37 @@
           </a:p>
           <a:p>
             <a:r>
-              <a:rPr lang="en-US" sz="900" dirty="0"/>
+              <a:rPr lang="en-US" sz="1000" dirty="0"/>
               <a:t>```</a:t>
             </a:r>
           </a:p>
           <a:p>
             <a:r>
-              <a:rPr lang="en-TT" sz="900" i="1" dirty="0"/>
+              <a:rPr lang="en-TT" sz="1000" i="1" dirty="0"/>
               <a:t>SELECT *</a:t>
             </a:r>
           </a:p>
           <a:p>
             <a:r>
-              <a:rPr lang="en-TT" sz="900" i="1" dirty="0"/>
+              <a:rPr lang="en-TT" sz="1000" i="1" dirty="0"/>
               <a:t>FROM ` PROJECT.DATASET.TABLE `</a:t>
             </a:r>
           </a:p>
           <a:p>
             <a:r>
-              <a:rPr lang="en-TT" sz="900" i="1" dirty="0"/>
+              <a:rPr lang="en-TT" sz="1000" i="1" dirty="0"/>
               <a:t>WHERE co2_injection_pressure_psi &gt; 3000</a:t>
             </a:r>
           </a:p>
           <a:p>
             <a:r>
-              <a:rPr lang="en-TT" sz="900" i="1" dirty="0"/>
+              <a:rPr lang="en-TT" sz="1000" i="1" dirty="0"/>
               <a:t>ORDER BY timestamp DESC;</a:t>
             </a:r>
           </a:p>
           <a:p>
             <a:r>
-              <a:rPr lang="en-US" sz="900" i="1" dirty="0"/>
+              <a:rPr lang="en-US" sz="1000" i="1" dirty="0"/>
               <a:t>```</a:t>
             </a:r>
           </a:p>
@@ -4406,7 +4406,7 @@
         </p:blipFill>
         <p:spPr>
           <a:xfrm>
-            <a:off x="470263" y="5083607"/>
+            <a:off x="470263" y="5074898"/>
             <a:ext cx="8098972" cy="1586711"/>
           </a:xfrm>
           <a:prstGeom prst="rect">
@@ -4428,8 +4428,8 @@
         </p:nvSpPr>
         <p:spPr>
           <a:xfrm>
-            <a:off x="3778661" y="5392210"/>
-            <a:ext cx="3091972" cy="1738938"/>
+            <a:off x="4649515" y="5348665"/>
+            <a:ext cx="3091972" cy="1862048"/>
           </a:xfrm>
           <a:prstGeom prst="rect">
             <a:avLst/>
@@ -4443,7 +4443,7 @@
           <a:lstStyle/>
           <a:p>
             <a:r>
-              <a:rPr lang="en-TT" sz="900" dirty="0">
+              <a:rPr lang="en-TT" sz="1000" dirty="0">
                 <a:solidFill>
                   <a:srgbClr val="1A3260"/>
                 </a:solidFill>
@@ -4452,63 +4452,63 @@
             </a:r>
           </a:p>
           <a:p>
-            <a:endParaRPr lang="en-US" sz="900" i="1" dirty="0"/>
-          </a:p>
-          <a:p>
-            <a:r>
-              <a:rPr lang="en-US" sz="900" dirty="0"/>
+            <a:endParaRPr lang="en-US" sz="1000" i="1" dirty="0"/>
+          </a:p>
+          <a:p>
+            <a:r>
+              <a:rPr lang="en-US" sz="1000" dirty="0"/>
               <a:t>```</a:t>
             </a:r>
-            <a:endParaRPr lang="en-US" sz="900" i="1" dirty="0"/>
-          </a:p>
-          <a:p>
-            <a:r>
-              <a:rPr lang="en-TT" sz="900" i="1" dirty="0"/>
+            <a:endParaRPr lang="en-US" sz="1000" i="1" dirty="0"/>
+          </a:p>
+          <a:p>
+            <a:r>
+              <a:rPr lang="en-TT" sz="1000" i="1" dirty="0"/>
               <a:t>SELECT </a:t>
             </a:r>
             <a:r>
-              <a:rPr lang="en-TT" sz="900" i="1" dirty="0" err="1"/>
+              <a:rPr lang="en-TT" sz="1000" i="1" dirty="0" err="1"/>
               <a:t>injection_well</a:t>
             </a:r>
             <a:r>
-              <a:rPr lang="en-TT" sz="900" i="1" dirty="0"/>
+              <a:rPr lang="en-TT" sz="1000" i="1" dirty="0"/>
               <a:t>,</a:t>
             </a:r>
           </a:p>
           <a:p>
             <a:r>
-              <a:rPr lang="en-TT" sz="900" i="1" dirty="0"/>
+              <a:rPr lang="en-TT" sz="1000" i="1" dirty="0"/>
               <a:t>AVG(co2_injection_pressure_psi) AS </a:t>
             </a:r>
             <a:r>
-              <a:rPr lang="en-TT" sz="900" i="1" dirty="0" err="1"/>
+              <a:rPr lang="en-TT" sz="1000" i="1" dirty="0" err="1"/>
               <a:t>avg_pressure</a:t>
             </a:r>
-            <a:endParaRPr lang="en-TT" sz="900" i="1" dirty="0"/>
-          </a:p>
-          <a:p>
-            <a:r>
-              <a:rPr lang="en-TT" sz="900" i="1" dirty="0"/>
+            <a:endParaRPr lang="en-TT" sz="1000" i="1" dirty="0"/>
+          </a:p>
+          <a:p>
+            <a:r>
+              <a:rPr lang="en-TT" sz="1000" i="1" dirty="0"/>
               <a:t>FROM ` PROJECT.DATASET.TABLE `</a:t>
             </a:r>
           </a:p>
           <a:p>
             <a:r>
-              <a:rPr lang="en-TT" sz="900" i="1" dirty="0"/>
+              <a:rPr lang="en-TT" sz="1000" i="1" dirty="0"/>
               <a:t>GROUP BY </a:t>
             </a:r>
             <a:r>
-              <a:rPr lang="en-TT" sz="900" i="1" dirty="0" err="1"/>
+              <a:rPr lang="en-TT" sz="1000" i="1" dirty="0" err="1"/>
               <a:t>injection_well</a:t>
             </a:r>
             <a:r>
-              <a:rPr lang="en-TT" sz="900" i="1" dirty="0"/>
+              <a:rPr lang="en-TT" sz="1000" i="1" dirty="0"/>
               <a:t>;</a:t>
             </a:r>
           </a:p>
           <a:p>
             <a:r>
-              <a:rPr lang="en-US" sz="900" dirty="0"/>
+              <a:rPr lang="en-US" sz="1000" dirty="0"/>
               <a:t>```</a:t>
             </a:r>
           </a:p>
@@ -4892,23 +4892,18 @@
         </p:spPr>
         <p:txBody>
           <a:bodyPr vert="horz" lIns="91440" tIns="45720" rIns="91440" bIns="45720" rtlCol="0" anchor="b">
-            <a:normAutofit fontScale="90000"/>
+            <a:normAutofit/>
           </a:bodyPr>
           <a:lstStyle/>
           <a:p>
             <a:r>
-              <a:rPr lang="en-US" sz="3600">
+              <a:rPr lang="en-US" dirty="0">
                 <a:solidFill>
                   <a:schemeClr val="accent1"/>
                 </a:solidFill>
               </a:rPr>
               <a:t>visualization</a:t>
             </a:r>
-            <a:endParaRPr lang="en-US" sz="3600" dirty="0">
-              <a:solidFill>
-                <a:schemeClr val="accent1"/>
-              </a:solidFill>
-            </a:endParaRPr>
           </a:p>
         </p:txBody>
       </p:sp>
@@ -4952,14 +4947,14 @@
               <a:buSzPct val="92000"/>
             </a:pPr>
             <a:r>
-              <a:rPr lang="en-US" sz="1600" cap="all">
+              <a:rPr lang="en-US" cap="all" dirty="0">
                 <a:solidFill>
                   <a:schemeClr val="accent2"/>
                 </a:solidFill>
               </a:rPr>
               <a:t>Wells that exceeded 3000 PSI</a:t>
             </a:r>
-            <a:endParaRPr lang="en-US" sz="1600" i="1" cap="all">
+            <a:endParaRPr lang="en-US" i="1" cap="all" dirty="0">
               <a:solidFill>
                 <a:schemeClr val="accent2"/>
               </a:solidFill>
@@ -6055,27 +6050,27 @@
           <a:lstStyle/>
           <a:p>
             <a:r>
-              <a:rPr sz="2000" dirty="0"/>
+              <a:rPr dirty="0"/>
               <a:t>CCS operations require continuous monitoring</a:t>
             </a:r>
           </a:p>
           <a:p>
             <a:r>
-              <a:rPr sz="2000" dirty="0"/>
+              <a:rPr dirty="0"/>
               <a:t>Injection</a:t>
             </a:r>
             <a:r>
-              <a:rPr lang="en-US" sz="2000" dirty="0"/>
+              <a:rPr lang="en-US" dirty="0"/>
               <a:t> rate,</a:t>
             </a:r>
             <a:r>
-              <a:rPr sz="2000" dirty="0"/>
+              <a:rPr dirty="0"/>
               <a:t> pressure and temperature are safety-critical</a:t>
             </a:r>
           </a:p>
           <a:p>
             <a:r>
-              <a:rPr sz="2000" dirty="0"/>
+              <a:rPr dirty="0"/>
               <a:t>Batch reporting introduces delays</a:t>
             </a:r>
           </a:p>
@@ -6083,14 +6078,14 @@
             <a:pPr marL="0" indent="0">
               <a:buNone/>
             </a:pPr>
-            <a:endParaRPr lang="en-US" sz="2000" dirty="0"/>
+            <a:endParaRPr lang="en-US" dirty="0"/>
           </a:p>
           <a:p>
             <a:pPr marL="0" indent="0">
               <a:buNone/>
             </a:pPr>
             <a:r>
-              <a:rPr sz="2000" b="1" dirty="0">
+              <a:rPr b="1" dirty="0">
                 <a:solidFill>
                   <a:schemeClr val="accent1"/>
                 </a:solidFill>
@@ -6098,23 +6093,23 @@
               <a:t>Goal</a:t>
             </a:r>
             <a:r>
-              <a:rPr sz="2000" dirty="0"/>
+              <a:rPr dirty="0"/>
               <a:t>: </a:t>
             </a:r>
             <a:r>
-              <a:rPr lang="en-US" sz="2000" dirty="0"/>
+              <a:rPr lang="en-US" dirty="0"/>
               <a:t> </a:t>
             </a:r>
             <a:r>
-              <a:rPr sz="2000" dirty="0"/>
+              <a:rPr dirty="0"/>
               <a:t>Real-time CCS monitoring</a:t>
             </a:r>
             <a:r>
-              <a:rPr lang="en-US" sz="2000" dirty="0"/>
+              <a:rPr lang="en-US" dirty="0"/>
               <a:t> &amp; analysis</a:t>
             </a:r>
             <a:r>
-              <a:rPr sz="2000" dirty="0"/>
+              <a:rPr dirty="0"/>
               <a:t> using cloud-native systems</a:t>
             </a:r>
           </a:p>
@@ -6845,12 +6840,122 @@
           <a:chExt cx="0" cy="0"/>
         </a:xfrm>
       </p:grpSpPr>
+      <p:sp>
+        <p:nvSpPr>
+          <p:cNvPr id="2" name="Title 1"/>
+          <p:cNvSpPr>
+            <a:spLocks noGrp="1"/>
+          </p:cNvSpPr>
+          <p:nvPr>
+            <p:ph type="title"/>
+          </p:nvPr>
+        </p:nvSpPr>
+        <p:spPr>
+          <a:xfrm>
+            <a:off x="581192" y="773536"/>
+            <a:ext cx="7989752" cy="829354"/>
+          </a:xfrm>
+        </p:spPr>
+        <p:txBody>
+          <a:bodyPr/>
+          <a:lstStyle/>
+          <a:p>
+            <a:pPr algn="ctr"/>
+            <a:r>
+              <a:rPr lang="en-TT" dirty="0"/>
+              <a:t>Cloud Architecture</a:t>
+            </a:r>
+          </a:p>
+        </p:txBody>
+      </p:sp>
+      <p:sp>
+        <p:nvSpPr>
+          <p:cNvPr id="3" name="Content Placeholder 2"/>
+          <p:cNvSpPr>
+            <a:spLocks noGrp="1"/>
+          </p:cNvSpPr>
+          <p:nvPr>
+            <p:ph idx="1"/>
+          </p:nvPr>
+        </p:nvSpPr>
+        <p:spPr>
+          <a:xfrm>
+            <a:off x="386159" y="3352798"/>
+            <a:ext cx="4542892" cy="3374574"/>
+          </a:xfrm>
+        </p:spPr>
+        <p:txBody>
+          <a:bodyPr>
+            <a:noAutofit/>
+          </a:bodyPr>
+          <a:lstStyle/>
+          <a:p>
+            <a:r>
+              <a:rPr lang="en-TT" dirty="0"/>
+              <a:t>Pub/Sub for event ingestion</a:t>
+            </a:r>
+          </a:p>
+          <a:p>
+            <a:r>
+              <a:rPr lang="en-TT" dirty="0"/>
+              <a:t>Dataflow for real-time processing</a:t>
+            </a:r>
+          </a:p>
+          <a:p>
+            <a:r>
+              <a:rPr lang="en-TT" dirty="0" err="1"/>
+              <a:t>BigQuery</a:t>
+            </a:r>
+            <a:r>
+              <a:rPr lang="en-TT" dirty="0"/>
+              <a:t> for analytics and monitoring</a:t>
+            </a:r>
+          </a:p>
+          <a:p>
+            <a:pPr marL="0" indent="0">
+              <a:buNone/>
+            </a:pPr>
+            <a:endParaRPr lang="en-TT" dirty="0"/>
+          </a:p>
+          <a:p>
+            <a:pPr marL="0" indent="0">
+              <a:buNone/>
+            </a:pPr>
+            <a:r>
+              <a:rPr lang="en-TT" dirty="0">
+                <a:solidFill>
+                  <a:schemeClr val="accent1"/>
+                </a:solidFill>
+              </a:rPr>
+              <a:t>Benefits:</a:t>
+            </a:r>
+          </a:p>
+          <a:p>
+            <a:r>
+              <a:rPr lang="en-TT" dirty="0"/>
+              <a:t>Serverless</a:t>
+            </a:r>
+          </a:p>
+          <a:p>
+            <a:r>
+              <a:rPr lang="en-TT" dirty="0"/>
+              <a:t>Scalable</a:t>
+            </a:r>
+          </a:p>
+          <a:p>
+            <a:r>
+              <a:rPr lang="en-TT" dirty="0"/>
+              <a:t>Real-time visibility</a:t>
+            </a:r>
+          </a:p>
+        </p:txBody>
+      </p:sp>
       <p:pic>
         <p:nvPicPr>
-          <p:cNvPr id="6" name="Picture 5" descr="A diagram of a data flow&#10;&#10;AI-generated content may be incorrect.">
+          <p:cNvPr id="8" name="Picture 7" descr="A diagram of a computer&#10;&#10;AI-generated content may be incorrect.">
             <a:extLst>
               <a:ext uri="{FF2B5EF4-FFF2-40B4-BE49-F238E27FC236}">
-                <a16:creationId xmlns:a16="http://schemas.microsoft.com/office/drawing/2014/main" id="{8E1C33E7-3A1D-8BAB-DB93-041BD6003E15}"/>
+                <a16:creationId xmlns:a16="http://schemas.microsoft.com/office/drawing/2014/main" id="{BB06246F-CDE7-7481-27F2-27E8A2F3F078}"/>
               </a:ext>
             </a:extLst>
           </p:cNvPr>
@@ -6867,124 +6972,14 @@
         </p:blipFill>
         <p:spPr>
           <a:xfrm>
-            <a:off x="394920" y="1775294"/>
-            <a:ext cx="8354159" cy="3625042"/>
+            <a:off x="311220" y="2252065"/>
+            <a:ext cx="8446621" cy="1231361"/>
           </a:xfrm>
           <a:prstGeom prst="rect">
             <a:avLst/>
           </a:prstGeom>
         </p:spPr>
       </p:pic>
-      <p:sp>
-        <p:nvSpPr>
-          <p:cNvPr id="2" name="Title 1"/>
-          <p:cNvSpPr>
-            <a:spLocks noGrp="1"/>
-          </p:cNvSpPr>
-          <p:nvPr>
-            <p:ph type="title"/>
-          </p:nvPr>
-        </p:nvSpPr>
-        <p:spPr>
-          <a:xfrm>
-            <a:off x="581192" y="773536"/>
-            <a:ext cx="7989752" cy="829354"/>
-          </a:xfrm>
-        </p:spPr>
-        <p:txBody>
-          <a:bodyPr/>
-          <a:lstStyle/>
-          <a:p>
-            <a:pPr algn="ctr"/>
-            <a:r>
-              <a:rPr lang="en-TT" dirty="0"/>
-              <a:t>Cloud Architecture</a:t>
-            </a:r>
-          </a:p>
-        </p:txBody>
-      </p:sp>
-      <p:sp>
-        <p:nvSpPr>
-          <p:cNvPr id="3" name="Content Placeholder 2"/>
-          <p:cNvSpPr>
-            <a:spLocks noGrp="1"/>
-          </p:cNvSpPr>
-          <p:nvPr>
-            <p:ph idx="1"/>
-          </p:nvPr>
-        </p:nvSpPr>
-        <p:spPr>
-          <a:xfrm>
-            <a:off x="581193" y="4098668"/>
-            <a:ext cx="3850958" cy="2696089"/>
-          </a:xfrm>
-        </p:spPr>
-        <p:txBody>
-          <a:bodyPr>
-            <a:normAutofit fontScale="92500" lnSpcReduction="10000"/>
-          </a:bodyPr>
-          <a:lstStyle/>
-          <a:p>
-            <a:r>
-              <a:rPr lang="en-TT" sz="1600" dirty="0"/>
-              <a:t>Pub/Sub for event ingestion</a:t>
-            </a:r>
-          </a:p>
-          <a:p>
-            <a:r>
-              <a:rPr lang="en-TT" sz="1600" dirty="0"/>
-              <a:t>Dataflow for real-time processing</a:t>
-            </a:r>
-          </a:p>
-          <a:p>
-            <a:r>
-              <a:rPr lang="en-TT" sz="1600" dirty="0" err="1"/>
-              <a:t>BigQuery</a:t>
-            </a:r>
-            <a:r>
-              <a:rPr lang="en-TT" sz="1600" dirty="0"/>
-              <a:t> for analytics and monitoring</a:t>
-            </a:r>
-          </a:p>
-          <a:p>
-            <a:pPr marL="0" indent="0">
-              <a:buNone/>
-            </a:pPr>
-            <a:endParaRPr lang="en-TT" sz="1600" dirty="0"/>
-          </a:p>
-          <a:p>
-            <a:pPr marL="0" indent="0">
-              <a:buNone/>
-            </a:pPr>
-            <a:r>
-              <a:rPr lang="en-TT" sz="1600" dirty="0">
-                <a:solidFill>
-                  <a:schemeClr val="accent1"/>
-                </a:solidFill>
-              </a:rPr>
-              <a:t>Benefits:</a:t>
-            </a:r>
-          </a:p>
-          <a:p>
-            <a:r>
-              <a:rPr lang="en-TT" sz="1600" dirty="0"/>
-              <a:t>Serverless</a:t>
-            </a:r>
-          </a:p>
-          <a:p>
-            <a:r>
-              <a:rPr lang="en-TT" sz="1600" dirty="0"/>
-              <a:t>Scalable</a:t>
-            </a:r>
-          </a:p>
-          <a:p>
-            <a:r>
-              <a:rPr lang="en-TT" sz="1600" dirty="0"/>
-              <a:t>Real-time visibility</a:t>
-            </a:r>
-          </a:p>
-        </p:txBody>
-      </p:sp>
     </p:spTree>
   </p:cSld>
   <p:clrMapOvr>
@@ -7433,13 +7428,13 @@
         </p:nvSpPr>
         <p:spPr>
           <a:xfrm>
-            <a:off x="6133092" y="2743974"/>
-            <a:ext cx="2574526" cy="761120"/>
+            <a:off x="6159165" y="2705205"/>
+            <a:ext cx="3159226" cy="761120"/>
           </a:xfrm>
         </p:spPr>
         <p:txBody>
           <a:bodyPr vert="horz" lIns="91440" tIns="45720" rIns="91440" bIns="45720" rtlCol="0" anchor="b">
-            <a:normAutofit/>
+            <a:noAutofit/>
           </a:bodyPr>
           <a:lstStyle/>
           <a:p>

--- a/setup/Real_Time_CCS_Monitoring_Pipeline.pptx
+++ b/setup/Real_Time_CCS_Monitoring_Pipeline.pptx
@@ -4312,7 +4312,7 @@
         </p:nvSpPr>
         <p:spPr>
           <a:xfrm>
-            <a:off x="4676074" y="3744779"/>
+            <a:off x="4676074" y="3788324"/>
             <a:ext cx="3239588" cy="1461939"/>
           </a:xfrm>
           <a:prstGeom prst="rect">
@@ -5194,8 +5194,8 @@
         </p:blipFill>
         <p:spPr>
           <a:xfrm>
-            <a:off x="687977" y="2055894"/>
-            <a:ext cx="7756696" cy="4109775"/>
+            <a:off x="469878" y="2045659"/>
+            <a:ext cx="8200477" cy="4344906"/>
           </a:xfrm>
           <a:prstGeom prst="rect">
             <a:avLst/>
